--- a/2023/hercules2023_C_photon_transport.pptx
+++ b/2023/hercules2023_C_photon_transport.pptx
@@ -246,7 +246,7 @@
             <a:fld id="{D680E798-53FF-4C51-A981-953463752515}" type="datetimeFigureOut">
               <a:rPr lang="fr-FR" smtClean="0"/>
               <a:pPr/>
-              <a:t>10/03/2022</a:t>
+              <a:t>24/03/2023</a:t>
             </a:fld>
             <a:endParaRPr lang="fr-FR"/>
           </a:p>
@@ -696,9 +696,10 @@
           <a:lstStyle/>
           <a:p>
             <a:r>
-              <a:rPr lang="en-US" noProof="0"/>
+              <a:rPr lang="en-US" noProof="0" smtClean="0"/>
               <a:t>26/07/2013</a:t>
             </a:r>
+            <a:endParaRPr lang="en-US" noProof="0"/>
           </a:p>
         </p:txBody>
       </p:sp>
@@ -762,8 +763,8 @@
           </a:lstStyle>
           <a:p>
             <a:r>
-              <a:rPr lang="en-US" noProof="0"/>
-              <a:t>OASYS-Photon transport | HERCULES2022</a:t>
+              <a:rPr lang="en-US" noProof="0" smtClean="0"/>
+              <a:t>OASYS-Photon transport | HERCULES2023</a:t>
             </a:r>
             <a:endParaRPr lang="en-US" noProof="0" dirty="0"/>
           </a:p>
@@ -1041,9 +1042,10 @@
           <a:lstStyle/>
           <a:p>
             <a:r>
-              <a:rPr lang="en-US" noProof="0"/>
+              <a:rPr lang="en-US" noProof="0" smtClean="0"/>
               <a:t>26/07/2013</a:t>
             </a:r>
+            <a:endParaRPr lang="en-US" noProof="0"/>
           </a:p>
         </p:txBody>
       </p:sp>
@@ -1091,9 +1093,10 @@
           <a:lstStyle/>
           <a:p>
             <a:r>
-              <a:rPr lang="en-US" noProof="0"/>
-              <a:t>OASYS-Photon transport | HERCULES2022</a:t>
+              <a:rPr lang="en-US" noProof="0" smtClean="0"/>
+              <a:t>OASYS-Photon transport | HERCULES2023</a:t>
             </a:r>
+            <a:endParaRPr lang="en-US" noProof="0"/>
           </a:p>
         </p:txBody>
       </p:sp>
@@ -1228,9 +1231,10 @@
           <a:lstStyle/>
           <a:p>
             <a:r>
-              <a:rPr lang="en-US" noProof="0"/>
+              <a:rPr lang="en-US" noProof="0" smtClean="0"/>
               <a:t>26/07/2013</a:t>
             </a:r>
+            <a:endParaRPr lang="en-US" noProof="0"/>
           </a:p>
         </p:txBody>
       </p:sp>
@@ -1278,9 +1282,10 @@
           <a:lstStyle/>
           <a:p>
             <a:r>
-              <a:rPr lang="en-US" noProof="0"/>
-              <a:t>OASYS-Photon transport | HERCULES2022</a:t>
+              <a:rPr lang="en-US" noProof="0" smtClean="0"/>
+              <a:t>OASYS-Photon transport | HERCULES2023</a:t>
             </a:r>
+            <a:endParaRPr lang="en-US" noProof="0"/>
           </a:p>
         </p:txBody>
       </p:sp>
@@ -1347,9 +1352,10 @@
           <a:lstStyle/>
           <a:p>
             <a:r>
-              <a:rPr lang="en-US" noProof="0"/>
+              <a:rPr lang="en-US" noProof="0" smtClean="0"/>
               <a:t>26/07/2013</a:t>
             </a:r>
+            <a:endParaRPr lang="en-US" noProof="0"/>
           </a:p>
         </p:txBody>
       </p:sp>
@@ -1397,9 +1403,10 @@
           <a:lstStyle/>
           <a:p>
             <a:r>
-              <a:rPr lang="en-US" noProof="0"/>
-              <a:t>OASYS-Photon transport | HERCULES2022</a:t>
+              <a:rPr lang="en-US" noProof="0" smtClean="0"/>
+              <a:t>OASYS-Photon transport | HERCULES2023</a:t>
             </a:r>
+            <a:endParaRPr lang="en-US" noProof="0"/>
           </a:p>
         </p:txBody>
       </p:sp>
@@ -1589,7 +1596,7 @@
           </a:lstStyle>
           <a:p>
             <a:r>
-              <a:rPr lang="en-US"/>
+              <a:rPr lang="en-US" smtClean="0"/>
               <a:t>26/07/2013</a:t>
             </a:r>
             <a:endParaRPr lang="fr-FR" dirty="0"/>
@@ -1630,8 +1637,8 @@
           </a:lstStyle>
           <a:p>
             <a:r>
-              <a:rPr lang="en-US"/>
-              <a:t>OASYS-Photon transport | HERCULES2022</a:t>
+              <a:rPr lang="en-US" smtClean="0"/>
+              <a:t>OASYS-Photon transport | HERCULES2023</a:t>
             </a:r>
             <a:endParaRPr lang="fr-FR" dirty="0"/>
           </a:p>
@@ -2126,9 +2133,10 @@
           <a:lstStyle/>
           <a:p>
             <a:r>
-              <a:rPr lang="en-US" noProof="0"/>
-              <a:t>OASYS-Photon transport | HERCULES2022</a:t>
+              <a:rPr lang="en-US" noProof="0" smtClean="0"/>
+              <a:t>OASYS-Photon transport | HERCULES2023</a:t>
             </a:r>
+            <a:endParaRPr lang="en-US" noProof="0"/>
           </a:p>
         </p:txBody>
       </p:sp>
@@ -4696,8 +4704,8 @@
           <a:lstStyle/>
           <a:p>
             <a:r>
-              <a:rPr lang="en-US" noProof="0"/>
-              <a:t>OASYS-Coherence transport | HERCULES2022</a:t>
+              <a:rPr lang="en-US" noProof="0" smtClean="0"/>
+              <a:t>OASYS-Photon transport | HERCULES2023</a:t>
             </a:r>
             <a:endParaRPr lang="en-US" noProof="0" dirty="0"/>
           </a:p>
@@ -4996,8 +5004,8 @@
           <a:lstStyle/>
           <a:p>
             <a:r>
-              <a:rPr lang="en-US" noProof="0"/>
-              <a:t>OASYS-Coherence transport | HERCULES2022</a:t>
+              <a:rPr lang="en-US" noProof="0" smtClean="0"/>
+              <a:t>OASYS-Photon transport | HERCULES2023</a:t>
             </a:r>
             <a:endParaRPr lang="en-US" noProof="0" dirty="0"/>
           </a:p>
@@ -5210,9 +5218,10 @@
           <a:lstStyle/>
           <a:p>
             <a:r>
-              <a:rPr lang="en-US" noProof="0" dirty="0"/>
-              <a:t>OASYS-Coherence transport | HERCULES2022</a:t>
+              <a:rPr lang="en-US" noProof="0" smtClean="0"/>
+              <a:t>OASYS-Photon transport | HERCULES2023</a:t>
             </a:r>
+            <a:endParaRPr lang="en-US" noProof="0" dirty="0"/>
           </a:p>
         </p:txBody>
       </p:sp>
@@ -5334,7 +5343,7 @@
           <a:graphicData uri="http://schemas.openxmlformats.org/presentationml/2006/ole">
             <mc:AlternateContent xmlns:mc="http://schemas.openxmlformats.org/markup-compatibility/2006">
               <mc:Choice xmlns:v="urn:schemas-microsoft-com:vml" Requires="v">
-                <p:oleObj spid="_x0000_s1074" name="Equation" r:id="rId4" imgW="1332921" imgH="444307" progId="">
+                <p:oleObj spid="_x0000_s1077" name="Equation" r:id="rId4" imgW="1332921" imgH="444307" progId="">
                   <p:embed/>
                 </p:oleObj>
               </mc:Choice>
@@ -5441,7 +5450,7 @@
           <a:graphicData uri="http://schemas.openxmlformats.org/presentationml/2006/ole">
             <mc:AlternateContent xmlns:mc="http://schemas.openxmlformats.org/markup-compatibility/2006">
               <mc:Choice xmlns:v="urn:schemas-microsoft-com:vml" Requires="v">
-                <p:oleObj spid="_x0000_s1075" name="Equation" r:id="rId6" imgW="1574800" imgH="444500" progId="">
+                <p:oleObj spid="_x0000_s1078" name="Equation" r:id="rId6" imgW="1574800" imgH="444500" progId="">
                   <p:embed/>
                 </p:oleObj>
               </mc:Choice>
@@ -5548,7 +5557,7 @@
           <a:graphicData uri="http://schemas.openxmlformats.org/presentationml/2006/ole">
             <mc:AlternateContent xmlns:mc="http://schemas.openxmlformats.org/markup-compatibility/2006">
               <mc:Choice xmlns:v="urn:schemas-microsoft-com:vml" Requires="v">
-                <p:oleObj spid="_x0000_s1076" name="Equation" r:id="rId8" imgW="1244600" imgH="393700" progId="">
+                <p:oleObj spid="_x0000_s1079" name="Equation" r:id="rId8" imgW="1244600" imgH="393700" progId="">
                   <p:embed/>
                 </p:oleObj>
               </mc:Choice>
@@ -6019,24 +6028,37 @@
             <a:pPr algn="ctr"/>
             <a:r>
               <a:rPr lang="en-US" sz="1167" dirty="0"/>
-              <a:t>March 15</a:t>
+              <a:t>March </a:t>
             </a:r>
             <a:r>
-              <a:rPr lang="en-US" sz="1167" baseline="30000" dirty="0"/>
+              <a:rPr lang="en-US" sz="1167" dirty="0" smtClean="0"/>
+              <a:t>27</a:t>
+            </a:r>
+            <a:r>
+              <a:rPr lang="en-US" sz="1167" baseline="30000" dirty="0" smtClean="0"/>
               <a:t>th</a:t>
             </a:r>
             <a:r>
-              <a:rPr lang="en-US" sz="1167" dirty="0"/>
-              <a:t> &amp; 17</a:t>
+              <a:rPr lang="en-US" sz="1167" dirty="0" smtClean="0"/>
+              <a:t> </a:t>
             </a:r>
             <a:r>
-              <a:rPr lang="en-US" sz="1167" baseline="30000" dirty="0"/>
+              <a:rPr lang="en-US" sz="1167" dirty="0"/>
+              <a:t>&amp; </a:t>
+            </a:r>
+            <a:r>
+              <a:rPr lang="en-US" sz="1167" dirty="0" smtClean="0"/>
+              <a:t>30</a:t>
+            </a:r>
+            <a:r>
+              <a:rPr lang="en-US" sz="1167" baseline="30000" dirty="0" smtClean="0"/>
               <a:t>th</a:t>
             </a:r>
             <a:r>
-              <a:rPr lang="en-US" sz="1167" dirty="0"/>
-              <a:t> 2022</a:t>
+              <a:rPr lang="en-US" sz="1167" dirty="0" smtClean="0"/>
+              <a:t> 2023</a:t>
             </a:r>
+            <a:endParaRPr lang="en-US" sz="1167" dirty="0"/>
           </a:p>
           <a:p>
             <a:pPr algn="ctr"/>
@@ -6120,8 +6142,8 @@
           <a:lstStyle/>
           <a:p>
             <a:r>
-              <a:rPr lang="en-GB" sz="833"/>
-              <a:t>OASYS-Photon transport | HERCULES2022</a:t>
+              <a:rPr lang="en-GB" sz="833" smtClean="0"/>
+              <a:t>OASYS-Photon transport | HERCULES2023</a:t>
             </a:r>
             <a:endParaRPr lang="fr-FR" sz="833" dirty="0"/>
           </a:p>
@@ -6434,9 +6456,10 @@
           <a:lstStyle/>
           <a:p>
             <a:r>
-              <a:rPr lang="en-US" noProof="0"/>
-              <a:t>OASYS-Photon transport | HERCULES2022</a:t>
+              <a:rPr lang="en-US" noProof="0" smtClean="0"/>
+              <a:t>OASYS-Photon transport | HERCULES2023</a:t>
             </a:r>
+            <a:endParaRPr lang="en-US" noProof="0"/>
           </a:p>
         </p:txBody>
       </p:sp>
@@ -6884,8 +6907,8 @@
           <a:lstStyle/>
           <a:p>
             <a:r>
-              <a:rPr lang="en-US" noProof="0"/>
-              <a:t>OASYS-Coherence transport | HERCULES2022</a:t>
+              <a:rPr lang="en-US" noProof="0" smtClean="0"/>
+              <a:t>OASYS-Photon transport | HERCULES2023</a:t>
             </a:r>
             <a:endParaRPr lang="en-US" noProof="0" dirty="0"/>
           </a:p>
@@ -7153,7 +7176,7 @@
           </a:ln>
           <a:extLst>
             <a:ext uri="{91240B29-F687-4f45-9708-019B960494DF}">
-              <a14:hiddenLine xmlns="" xmlns:a14="http://schemas.microsoft.com/office/drawing/2010/main" w="9525">
+              <a14:hiddenLine xmlns:a14="http://schemas.microsoft.com/office/drawing/2010/main" xmlns="" w="9525">
                 <a:solidFill>
                   <a:srgbClr val="000000"/>
                 </a:solidFill>
@@ -7227,7 +7250,7 @@
             </a:ln>
             <a:extLst>
               <a:ext uri="{909E8E84-426E-40dd-AFC4-6F175D3DCCD1}">
-                <a14:hiddenFill xmlns="" xmlns:a14="http://schemas.microsoft.com/office/drawing/2010/main">
+                <a14:hiddenFill xmlns:a14="http://schemas.microsoft.com/office/drawing/2010/main" xmlns="">
                   <a:noFill/>
                 </a14:hiddenFill>
               </a:ext>
@@ -7274,7 +7297,7 @@
             </a:ln>
             <a:extLst>
               <a:ext uri="{909E8E84-426E-40dd-AFC4-6F175D3DCCD1}">
-                <a14:hiddenFill xmlns="" xmlns:a14="http://schemas.microsoft.com/office/drawing/2010/main">
+                <a14:hiddenFill xmlns:a14="http://schemas.microsoft.com/office/drawing/2010/main" xmlns="">
                   <a:noFill/>
                 </a14:hiddenFill>
               </a:ext>
@@ -7321,7 +7344,7 @@
             </a:ln>
             <a:extLst>
               <a:ext uri="{909E8E84-426E-40dd-AFC4-6F175D3DCCD1}">
-                <a14:hiddenFill xmlns="" xmlns:a14="http://schemas.microsoft.com/office/drawing/2010/main">
+                <a14:hiddenFill xmlns:a14="http://schemas.microsoft.com/office/drawing/2010/main" xmlns="">
                   <a:noFill/>
                 </a14:hiddenFill>
               </a:ext>
@@ -7364,14 +7387,14 @@
           </a:ln>
           <a:extLst>
             <a:ext uri="{909E8E84-426E-40dd-AFC4-6F175D3DCCD1}">
-              <a14:hiddenFill xmlns="" xmlns:a14="http://schemas.microsoft.com/office/drawing/2010/main">
+              <a14:hiddenFill xmlns:a14="http://schemas.microsoft.com/office/drawing/2010/main" xmlns="">
                 <a:solidFill>
                   <a:srgbClr val="FFFFFF"/>
                 </a:solidFill>
               </a14:hiddenFill>
             </a:ext>
             <a:ext uri="{91240B29-F687-4f45-9708-019B960494DF}">
-              <a14:hiddenLine xmlns="" xmlns:a14="http://schemas.microsoft.com/office/drawing/2010/main" w="9525">
+              <a14:hiddenLine xmlns:a14="http://schemas.microsoft.com/office/drawing/2010/main" xmlns="" w="9525">
                 <a:solidFill>
                   <a:srgbClr val="000000"/>
                 </a:solidFill>
@@ -7851,7 +7874,7 @@
             </a:ln>
             <a:extLst>
               <a:ext uri="{909E8E84-426E-40dd-AFC4-6F175D3DCCD1}">
-                <a14:hiddenFill xmlns="" xmlns:a14="http://schemas.microsoft.com/office/drawing/2010/main">
+                <a14:hiddenFill xmlns:a14="http://schemas.microsoft.com/office/drawing/2010/main" xmlns="">
                   <a:noFill/>
                 </a14:hiddenFill>
               </a:ext>
@@ -7910,7 +7933,7 @@
             <a:graphicData uri="http://schemas.openxmlformats.org/presentationml/2006/ole">
               <mc:AlternateContent xmlns:mc="http://schemas.openxmlformats.org/markup-compatibility/2006">
                 <mc:Choice xmlns:v="urn:schemas-microsoft-com:vml" Requires="v">
-                  <p:oleObj spid="_x0000_s2062" name="Equation" r:id="rId4" imgW="152280" imgH="139680" progId="Equation.DSMT4">
+                  <p:oleObj spid="_x0000_s2064" name="Equation" r:id="rId4" imgW="152280" imgH="139680" progId="Equation.DSMT4">
                     <p:embed/>
                   </p:oleObj>
                 </mc:Choice>
@@ -7953,14 +7976,14 @@
                         <a:effectLst/>
                         <a:extLst>
                           <a:ext uri="{909E8E84-426E-40dd-AFC4-6F175D3DCCD1}">
-                            <a14:hiddenFill xmlns="" xmlns:a14="http://schemas.microsoft.com/office/drawing/2010/main">
+                            <a14:hiddenFill xmlns:a14="http://schemas.microsoft.com/office/drawing/2010/main" xmlns="">
                               <a:solidFill>
                                 <a:srgbClr val="FFFFFF"/>
                               </a:solidFill>
                             </a14:hiddenFill>
                           </a:ext>
                           <a:ext uri="{91240B29-F687-4f45-9708-019B960494DF}">
-                            <a14:hiddenLine xmlns="" xmlns:a14="http://schemas.microsoft.com/office/drawing/2010/main" w="9525">
+                            <a14:hiddenLine xmlns:a14="http://schemas.microsoft.com/office/drawing/2010/main" xmlns="" w="9525">
                               <a:solidFill>
                                 <a:srgbClr val="000000"/>
                               </a:solidFill>
@@ -7970,7 +7993,7 @@
                             </a14:hiddenLine>
                           </a:ext>
                           <a:ext uri="{AF507438-7753-43e0-B8FC-AC1667EBCBE1}">
-                            <a14:hiddenEffects xmlns="" xmlns:a14="http://schemas.microsoft.com/office/drawing/2010/main">
+                            <a14:hiddenEffects xmlns:a14="http://schemas.microsoft.com/office/drawing/2010/main" xmlns="">
                               <a:effectLst>
                                 <a:outerShdw dist="35921" dir="2700000" algn="ctr" rotWithShape="0">
                                   <a:srgbClr val="808080"/>
@@ -8193,7 +8216,7 @@
               </a:ln>
               <a:extLst>
                 <a:ext uri="{909E8E84-426E-40dd-AFC4-6F175D3DCCD1}">
-                  <a14:hiddenFill xmlns="" xmlns:a14="http://schemas.microsoft.com/office/drawing/2010/main">
+                  <a14:hiddenFill xmlns:a14="http://schemas.microsoft.com/office/drawing/2010/main" xmlns="">
                     <a:noFill/>
                   </a14:hiddenFill>
                 </a:ext>
@@ -8240,7 +8263,7 @@
               </a:ln>
               <a:extLst>
                 <a:ext uri="{909E8E84-426E-40dd-AFC4-6F175D3DCCD1}">
-                  <a14:hiddenFill xmlns="" xmlns:a14="http://schemas.microsoft.com/office/drawing/2010/main">
+                  <a14:hiddenFill xmlns:a14="http://schemas.microsoft.com/office/drawing/2010/main" xmlns="">
                     <a:noFill/>
                   </a14:hiddenFill>
                 </a:ext>
@@ -8287,7 +8310,7 @@
               </a:ln>
               <a:extLst>
                 <a:ext uri="{909E8E84-426E-40dd-AFC4-6F175D3DCCD1}">
-                  <a14:hiddenFill xmlns="" xmlns:a14="http://schemas.microsoft.com/office/drawing/2010/main">
+                  <a14:hiddenFill xmlns:a14="http://schemas.microsoft.com/office/drawing/2010/main" xmlns="">
                     <a:noFill/>
                   </a14:hiddenFill>
                 </a:ext>
@@ -8334,7 +8357,7 @@
               </a:ln>
               <a:extLst>
                 <a:ext uri="{909E8E84-426E-40dd-AFC4-6F175D3DCCD1}">
-                  <a14:hiddenFill xmlns="" xmlns:a14="http://schemas.microsoft.com/office/drawing/2010/main">
+                  <a14:hiddenFill xmlns:a14="http://schemas.microsoft.com/office/drawing/2010/main" xmlns="">
                     <a:noFill/>
                   </a14:hiddenFill>
                 </a:ext>
@@ -8381,7 +8404,7 @@
               </a:ln>
               <a:extLst>
                 <a:ext uri="{909E8E84-426E-40dd-AFC4-6F175D3DCCD1}">
-                  <a14:hiddenFill xmlns="" xmlns:a14="http://schemas.microsoft.com/office/drawing/2010/main">
+                  <a14:hiddenFill xmlns:a14="http://schemas.microsoft.com/office/drawing/2010/main" xmlns="">
                     <a:noFill/>
                   </a14:hiddenFill>
                 </a:ext>
@@ -8605,7 +8628,7 @@
             </a:ln>
             <a:extLst>
               <a:ext uri="{909E8E84-426E-40dd-AFC4-6F175D3DCCD1}">
-                <a14:hiddenFill xmlns="" xmlns:a14="http://schemas.microsoft.com/office/drawing/2010/main">
+                <a14:hiddenFill xmlns:a14="http://schemas.microsoft.com/office/drawing/2010/main" xmlns="">
                   <a:noFill/>
                 </a14:hiddenFill>
               </a:ext>
@@ -8647,14 +8670,14 @@
             </a:ln>
             <a:extLst>
               <a:ext uri="{909E8E84-426E-40dd-AFC4-6F175D3DCCD1}">
-                <a14:hiddenFill xmlns="" xmlns:a14="http://schemas.microsoft.com/office/drawing/2010/main">
+                <a14:hiddenFill xmlns:a14="http://schemas.microsoft.com/office/drawing/2010/main" xmlns="">
                   <a:solidFill>
                     <a:srgbClr val="FFFFFF"/>
                   </a:solidFill>
                 </a14:hiddenFill>
               </a:ext>
               <a:ext uri="{91240B29-F687-4f45-9708-019B960494DF}">
-                <a14:hiddenLine xmlns="" xmlns:a14="http://schemas.microsoft.com/office/drawing/2010/main" w="9525">
+                <a14:hiddenLine xmlns:a14="http://schemas.microsoft.com/office/drawing/2010/main" xmlns="" w="9525">
                   <a:solidFill>
                     <a:srgbClr val="000000"/>
                   </a:solidFill>
@@ -9051,7 +9074,7 @@
               </a:ln>
               <a:extLst>
                 <a:ext uri="{91240B29-F687-4f45-9708-019B960494DF}">
-                  <a14:hiddenLine xmlns="" xmlns:a14="http://schemas.microsoft.com/office/drawing/2010/main" w="9525">
+                  <a14:hiddenLine xmlns:a14="http://schemas.microsoft.com/office/drawing/2010/main" xmlns="" w="9525">
                     <a:solidFill>
                       <a:srgbClr val="000000"/>
                     </a:solidFill>
@@ -9103,7 +9126,7 @@
               </a:ln>
               <a:extLst>
                 <a:ext uri="{909E8E84-426E-40dd-AFC4-6F175D3DCCD1}">
-                  <a14:hiddenFill xmlns="" xmlns:a14="http://schemas.microsoft.com/office/drawing/2010/main">
+                  <a14:hiddenFill xmlns:a14="http://schemas.microsoft.com/office/drawing/2010/main" xmlns="">
                     <a:noFill/>
                   </a14:hiddenFill>
                 </a:ext>
@@ -9145,14 +9168,14 @@
               </a:ln>
               <a:extLst>
                 <a:ext uri="{909E8E84-426E-40dd-AFC4-6F175D3DCCD1}">
-                  <a14:hiddenFill xmlns="" xmlns:a14="http://schemas.microsoft.com/office/drawing/2010/main">
+                  <a14:hiddenFill xmlns:a14="http://schemas.microsoft.com/office/drawing/2010/main" xmlns="">
                     <a:solidFill>
                       <a:srgbClr val="FFFFFF"/>
                     </a:solidFill>
                   </a14:hiddenFill>
                 </a:ext>
                 <a:ext uri="{91240B29-F687-4f45-9708-019B960494DF}">
-                  <a14:hiddenLine xmlns="" xmlns:a14="http://schemas.microsoft.com/office/drawing/2010/main" w="9525">
+                  <a14:hiddenLine xmlns:a14="http://schemas.microsoft.com/office/drawing/2010/main" xmlns="" w="9525">
                     <a:solidFill>
                       <a:srgbClr val="000000"/>
                     </a:solidFill>
@@ -9322,14 +9345,14 @@
               </a:ln>
               <a:extLst>
                 <a:ext uri="{909E8E84-426E-40dd-AFC4-6F175D3DCCD1}">
-                  <a14:hiddenFill xmlns="" xmlns:a14="http://schemas.microsoft.com/office/drawing/2010/main">
+                  <a14:hiddenFill xmlns:a14="http://schemas.microsoft.com/office/drawing/2010/main" xmlns="">
                     <a:solidFill>
                       <a:srgbClr val="FFFFFF"/>
                     </a:solidFill>
                   </a14:hiddenFill>
                 </a:ext>
                 <a:ext uri="{91240B29-F687-4f45-9708-019B960494DF}">
-                  <a14:hiddenLine xmlns="" xmlns:a14="http://schemas.microsoft.com/office/drawing/2010/main" w="9525">
+                  <a14:hiddenLine xmlns:a14="http://schemas.microsoft.com/office/drawing/2010/main" xmlns="" w="9525">
                     <a:solidFill>
                       <a:srgbClr val="000000"/>
                     </a:solidFill>
@@ -9499,14 +9522,14 @@
               </a:ln>
               <a:extLst>
                 <a:ext uri="{909E8E84-426E-40dd-AFC4-6F175D3DCCD1}">
-                  <a14:hiddenFill xmlns="" xmlns:a14="http://schemas.microsoft.com/office/drawing/2010/main">
+                  <a14:hiddenFill xmlns:a14="http://schemas.microsoft.com/office/drawing/2010/main" xmlns="">
                     <a:solidFill>
                       <a:srgbClr val="FFFFFF"/>
                     </a:solidFill>
                   </a14:hiddenFill>
                 </a:ext>
                 <a:ext uri="{91240B29-F687-4f45-9708-019B960494DF}">
-                  <a14:hiddenLine xmlns="" xmlns:a14="http://schemas.microsoft.com/office/drawing/2010/main" w="9525">
+                  <a14:hiddenLine xmlns:a14="http://schemas.microsoft.com/office/drawing/2010/main" xmlns="" w="9525">
                     <a:solidFill>
                       <a:srgbClr val="000000"/>
                     </a:solidFill>
@@ -9704,7 +9727,7 @@
               </a:ln>
               <a:extLst>
                 <a:ext uri="{909E8E84-426E-40dd-AFC4-6F175D3DCCD1}">
-                  <a14:hiddenFill xmlns="" xmlns:a14="http://schemas.microsoft.com/office/drawing/2010/main">
+                  <a14:hiddenFill xmlns:a14="http://schemas.microsoft.com/office/drawing/2010/main" xmlns="">
                     <a:noFill/>
                   </a14:hiddenFill>
                 </a:ext>
@@ -9751,7 +9774,7 @@
               </a:ln>
               <a:extLst>
                 <a:ext uri="{909E8E84-426E-40dd-AFC4-6F175D3DCCD1}">
-                  <a14:hiddenFill xmlns="" xmlns:a14="http://schemas.microsoft.com/office/drawing/2010/main">
+                  <a14:hiddenFill xmlns:a14="http://schemas.microsoft.com/office/drawing/2010/main" xmlns="">
                     <a:noFill/>
                   </a14:hiddenFill>
                 </a:ext>
@@ -9798,7 +9821,7 @@
               </a:ln>
               <a:extLst>
                 <a:ext uri="{909E8E84-426E-40dd-AFC4-6F175D3DCCD1}">
-                  <a14:hiddenFill xmlns="" xmlns:a14="http://schemas.microsoft.com/office/drawing/2010/main">
+                  <a14:hiddenFill xmlns:a14="http://schemas.microsoft.com/office/drawing/2010/main" xmlns="">
                     <a:noFill/>
                   </a14:hiddenFill>
                 </a:ext>
@@ -9840,14 +9863,14 @@
               </a:ln>
               <a:extLst>
                 <a:ext uri="{909E8E84-426E-40dd-AFC4-6F175D3DCCD1}">
-                  <a14:hiddenFill xmlns="" xmlns:a14="http://schemas.microsoft.com/office/drawing/2010/main">
+                  <a14:hiddenFill xmlns:a14="http://schemas.microsoft.com/office/drawing/2010/main" xmlns="">
                     <a:solidFill>
                       <a:srgbClr val="FFFFFF"/>
                     </a:solidFill>
                   </a14:hiddenFill>
                 </a:ext>
                 <a:ext uri="{91240B29-F687-4f45-9708-019B960494DF}">
-                  <a14:hiddenLine xmlns="" xmlns:a14="http://schemas.microsoft.com/office/drawing/2010/main" w="9525">
+                  <a14:hiddenLine xmlns:a14="http://schemas.microsoft.com/office/drawing/2010/main" xmlns="" w="9525">
                     <a:solidFill>
                       <a:srgbClr val="000000"/>
                     </a:solidFill>
@@ -10024,7 +10047,7 @@
           </a:ln>
           <a:extLst>
             <a:ext uri="{909E8E84-426E-40dd-AFC4-6F175D3DCCD1}">
-              <a14:hiddenFill xmlns="" xmlns:a14="http://schemas.microsoft.com/office/drawing/2010/main">
+              <a14:hiddenFill xmlns:a14="http://schemas.microsoft.com/office/drawing/2010/main" xmlns="">
                 <a:noFill/>
               </a14:hiddenFill>
             </a:ext>
@@ -10066,14 +10089,14 @@
           </a:ln>
           <a:extLst>
             <a:ext uri="{909E8E84-426E-40dd-AFC4-6F175D3DCCD1}">
-              <a14:hiddenFill xmlns="" xmlns:a14="http://schemas.microsoft.com/office/drawing/2010/main">
+              <a14:hiddenFill xmlns:a14="http://schemas.microsoft.com/office/drawing/2010/main" xmlns="">
                 <a:solidFill>
                   <a:srgbClr val="FFFFFF"/>
                 </a:solidFill>
               </a14:hiddenFill>
             </a:ext>
             <a:ext uri="{91240B29-F687-4f45-9708-019B960494DF}">
-              <a14:hiddenLine xmlns="" xmlns:a14="http://schemas.microsoft.com/office/drawing/2010/main" w="9525">
+              <a14:hiddenLine xmlns:a14="http://schemas.microsoft.com/office/drawing/2010/main" xmlns="" w="9525">
                 <a:solidFill>
                   <a:srgbClr val="000000"/>
                 </a:solidFill>
@@ -10243,14 +10266,14 @@
           </a:ln>
           <a:extLst>
             <a:ext uri="{909E8E84-426E-40dd-AFC4-6F175D3DCCD1}">
-              <a14:hiddenFill xmlns="" xmlns:a14="http://schemas.microsoft.com/office/drawing/2010/main">
+              <a14:hiddenFill xmlns:a14="http://schemas.microsoft.com/office/drawing/2010/main" xmlns="">
                 <a:solidFill>
                   <a:srgbClr val="FFFFFF"/>
                 </a:solidFill>
               </a14:hiddenFill>
             </a:ext>
             <a:ext uri="{91240B29-F687-4f45-9708-019B960494DF}">
-              <a14:hiddenLine xmlns="" xmlns:a14="http://schemas.microsoft.com/office/drawing/2010/main" w="9525">
+              <a14:hiddenLine xmlns:a14="http://schemas.microsoft.com/office/drawing/2010/main" xmlns="" w="9525">
                 <a:solidFill>
                   <a:srgbClr val="000000"/>
                 </a:solidFill>
@@ -10503,7 +10526,7 @@
             </a:ln>
             <a:extLst>
               <a:ext uri="{909E8E84-426E-40dd-AFC4-6F175D3DCCD1}">
-                <a14:hiddenFill xmlns="" xmlns:a14="http://schemas.microsoft.com/office/drawing/2010/main">
+                <a14:hiddenFill xmlns:a14="http://schemas.microsoft.com/office/drawing/2010/main" xmlns="">
                   <a:solidFill>
                     <a:srgbClr val="FFFFFF"/>
                   </a:solidFill>
@@ -10541,7 +10564,7 @@
             <a:graphicData uri="http://schemas.openxmlformats.org/presentationml/2006/ole">
               <mc:AlternateContent xmlns:mc="http://schemas.openxmlformats.org/markup-compatibility/2006">
                 <mc:Choice xmlns:v="urn:schemas-microsoft-com:vml" Requires="v">
-                  <p:oleObj spid="_x0000_s2063" name="Equation" r:id="rId6" imgW="152280" imgH="228600" progId="Equation.DSMT4">
+                  <p:oleObj spid="_x0000_s2065" name="Equation" r:id="rId6" imgW="152280" imgH="228600" progId="Equation.DSMT4">
                     <p:embed/>
                   </p:oleObj>
                 </mc:Choice>
@@ -10584,14 +10607,14 @@
                         <a:effectLst/>
                         <a:extLst>
                           <a:ext uri="{909E8E84-426E-40dd-AFC4-6F175D3DCCD1}">
-                            <a14:hiddenFill xmlns="" xmlns:a14="http://schemas.microsoft.com/office/drawing/2010/main">
+                            <a14:hiddenFill xmlns:a14="http://schemas.microsoft.com/office/drawing/2010/main" xmlns="">
                               <a:solidFill>
                                 <a:srgbClr val="FFFFFF"/>
                               </a:solidFill>
                             </a14:hiddenFill>
                           </a:ext>
                           <a:ext uri="{91240B29-F687-4f45-9708-019B960494DF}">
-                            <a14:hiddenLine xmlns="" xmlns:a14="http://schemas.microsoft.com/office/drawing/2010/main" w="9525">
+                            <a14:hiddenLine xmlns:a14="http://schemas.microsoft.com/office/drawing/2010/main" xmlns="" w="9525">
                               <a:solidFill>
                                 <a:srgbClr val="000000"/>
                               </a:solidFill>
@@ -10601,7 +10624,7 @@
                             </a14:hiddenLine>
                           </a:ext>
                           <a:ext uri="{AF507438-7753-43e0-B8FC-AC1667EBCBE1}">
-                            <a14:hiddenEffects xmlns="" xmlns:a14="http://schemas.microsoft.com/office/drawing/2010/main">
+                            <a14:hiddenEffects xmlns:a14="http://schemas.microsoft.com/office/drawing/2010/main" xmlns="">
                               <a:effectLst>
                                 <a:outerShdw dist="35921" dir="2700000" algn="ctr" rotWithShape="0">
                                   <a:srgbClr val="808080"/>
@@ -10695,7 +10718,7 @@
                 </a:ln>
                 <a:extLst>
                   <a:ext uri="{909E8E84-426E-40dd-AFC4-6F175D3DCCD1}">
-                    <a14:hiddenFill xmlns="" xmlns:a14="http://schemas.microsoft.com/office/drawing/2010/main">
+                    <a14:hiddenFill xmlns:a14="http://schemas.microsoft.com/office/drawing/2010/main" xmlns="">
                       <a:noFill/>
                     </a14:hiddenFill>
                   </a:ext>
@@ -10742,7 +10765,7 @@
                 </a:ln>
                 <a:extLst>
                   <a:ext uri="{909E8E84-426E-40dd-AFC4-6F175D3DCCD1}">
-                    <a14:hiddenFill xmlns="" xmlns:a14="http://schemas.microsoft.com/office/drawing/2010/main">
+                    <a14:hiddenFill xmlns:a14="http://schemas.microsoft.com/office/drawing/2010/main" xmlns="">
                       <a:noFill/>
                     </a14:hiddenFill>
                   </a:ext>
@@ -10789,7 +10812,7 @@
                 </a:ln>
                 <a:extLst>
                   <a:ext uri="{909E8E84-426E-40dd-AFC4-6F175D3DCCD1}">
-                    <a14:hiddenFill xmlns="" xmlns:a14="http://schemas.microsoft.com/office/drawing/2010/main">
+                    <a14:hiddenFill xmlns:a14="http://schemas.microsoft.com/office/drawing/2010/main" xmlns="">
                       <a:noFill/>
                     </a14:hiddenFill>
                   </a:ext>
@@ -10832,14 +10855,14 @@
               </a:ln>
               <a:extLst>
                 <a:ext uri="{909E8E84-426E-40dd-AFC4-6F175D3DCCD1}">
-                  <a14:hiddenFill xmlns="" xmlns:a14="http://schemas.microsoft.com/office/drawing/2010/main">
+                  <a14:hiddenFill xmlns:a14="http://schemas.microsoft.com/office/drawing/2010/main" xmlns="">
                     <a:solidFill>
                       <a:srgbClr val="FFFFFF"/>
                     </a:solidFill>
                   </a14:hiddenFill>
                 </a:ext>
                 <a:ext uri="{91240B29-F687-4f45-9708-019B960494DF}">
-                  <a14:hiddenLine xmlns="" xmlns:a14="http://schemas.microsoft.com/office/drawing/2010/main" w="9525">
+                  <a14:hiddenLine xmlns:a14="http://schemas.microsoft.com/office/drawing/2010/main" xmlns="" w="9525">
                     <a:solidFill>
                       <a:srgbClr val="000000"/>
                     </a:solidFill>
@@ -11009,14 +11032,14 @@
               </a:ln>
               <a:extLst>
                 <a:ext uri="{909E8E84-426E-40dd-AFC4-6F175D3DCCD1}">
-                  <a14:hiddenFill xmlns="" xmlns:a14="http://schemas.microsoft.com/office/drawing/2010/main">
+                  <a14:hiddenFill xmlns:a14="http://schemas.microsoft.com/office/drawing/2010/main" xmlns="">
                     <a:solidFill>
                       <a:srgbClr val="FFFFFF"/>
                     </a:solidFill>
                   </a14:hiddenFill>
                 </a:ext>
                 <a:ext uri="{91240B29-F687-4f45-9708-019B960494DF}">
-                  <a14:hiddenLine xmlns="" xmlns:a14="http://schemas.microsoft.com/office/drawing/2010/main" w="9525">
+                  <a14:hiddenLine xmlns:a14="http://schemas.microsoft.com/office/drawing/2010/main" xmlns="" w="9525">
                     <a:solidFill>
                       <a:srgbClr val="000000"/>
                     </a:solidFill>
@@ -11186,14 +11209,14 @@
               </a:ln>
               <a:extLst>
                 <a:ext uri="{909E8E84-426E-40dd-AFC4-6F175D3DCCD1}">
-                  <a14:hiddenFill xmlns="" xmlns:a14="http://schemas.microsoft.com/office/drawing/2010/main">
+                  <a14:hiddenFill xmlns:a14="http://schemas.microsoft.com/office/drawing/2010/main" xmlns="">
                     <a:solidFill>
                       <a:srgbClr val="FFFFFF"/>
                     </a:solidFill>
                   </a14:hiddenFill>
                 </a:ext>
                 <a:ext uri="{91240B29-F687-4f45-9708-019B960494DF}">
-                  <a14:hiddenLine xmlns="" xmlns:a14="http://schemas.microsoft.com/office/drawing/2010/main" w="9525">
+                  <a14:hiddenLine xmlns:a14="http://schemas.microsoft.com/office/drawing/2010/main" xmlns="" w="9525">
                     <a:solidFill>
                       <a:srgbClr val="000000"/>
                     </a:solidFill>
@@ -11392,7 +11415,7 @@
             </a:ln>
             <a:extLst>
               <a:ext uri="{909E8E84-426E-40dd-AFC4-6F175D3DCCD1}">
-                <a14:hiddenFill xmlns="" xmlns:a14="http://schemas.microsoft.com/office/drawing/2010/main">
+                <a14:hiddenFill xmlns:a14="http://schemas.microsoft.com/office/drawing/2010/main" xmlns="">
                   <a:noFill/>
                 </a14:hiddenFill>
               </a:ext>
@@ -11846,7 +11869,7 @@
             </a:ln>
             <a:extLst>
               <a:ext uri="{909E8E84-426E-40dd-AFC4-6F175D3DCCD1}">
-                <a14:hiddenFill xmlns="" xmlns:a14="http://schemas.microsoft.com/office/drawing/2010/main">
+                <a14:hiddenFill xmlns:a14="http://schemas.microsoft.com/office/drawing/2010/main" xmlns="">
                   <a:noFill/>
                 </a14:hiddenFill>
               </a:ext>
@@ -11893,7 +11916,7 @@
             </a:ln>
             <a:extLst>
               <a:ext uri="{909E8E84-426E-40dd-AFC4-6F175D3DCCD1}">
-                <a14:hiddenFill xmlns="" xmlns:a14="http://schemas.microsoft.com/office/drawing/2010/main">
+                <a14:hiddenFill xmlns:a14="http://schemas.microsoft.com/office/drawing/2010/main" xmlns="">
                   <a:noFill/>
                 </a14:hiddenFill>
               </a:ext>
@@ -12449,7 +12472,7 @@
                 </a:ln>
                 <a:extLst>
                   <a:ext uri="{909E8E84-426E-40dd-AFC4-6F175D3DCCD1}">
-                    <a14:hiddenFill xmlns="" xmlns:a14="http://schemas.microsoft.com/office/drawing/2010/main">
+                    <a14:hiddenFill xmlns:a14="http://schemas.microsoft.com/office/drawing/2010/main" xmlns="">
                       <a:noFill/>
                     </a14:hiddenFill>
                   </a:ext>
@@ -12492,14 +12515,14 @@
               </a:ln>
               <a:extLst>
                 <a:ext uri="{909E8E84-426E-40dd-AFC4-6F175D3DCCD1}">
-                  <a14:hiddenFill xmlns="" xmlns:a14="http://schemas.microsoft.com/office/drawing/2010/main">
+                  <a14:hiddenFill xmlns:a14="http://schemas.microsoft.com/office/drawing/2010/main" xmlns="">
                     <a:solidFill>
                       <a:srgbClr val="FFFFFF"/>
                     </a:solidFill>
                   </a14:hiddenFill>
                 </a:ext>
                 <a:ext uri="{91240B29-F687-4f45-9708-019B960494DF}">
-                  <a14:hiddenLine xmlns="" xmlns:a14="http://schemas.microsoft.com/office/drawing/2010/main" w="9525">
+                  <a14:hiddenLine xmlns:a14="http://schemas.microsoft.com/office/drawing/2010/main" xmlns="" w="9525">
                     <a:solidFill>
                       <a:srgbClr val="000000"/>
                     </a:solidFill>
@@ -13348,8 +13371,8 @@
           <a:lstStyle/>
           <a:p>
             <a:r>
-              <a:rPr lang="en-US" noProof="0"/>
-              <a:t>OASYS-Coherence transport | HERCULES2022</a:t>
+              <a:rPr lang="en-US" noProof="0" smtClean="0"/>
+              <a:t>OASYS-Photon transport | HERCULES2023</a:t>
             </a:r>
             <a:endParaRPr lang="en-US" noProof="0" dirty="0"/>
           </a:p>
@@ -14608,9 +14631,10 @@
           <a:lstStyle/>
           <a:p>
             <a:r>
-              <a:rPr lang="en-US" noProof="0"/>
-              <a:t>OASYS-Photon transport | HERCULES2022</a:t>
+              <a:rPr lang="en-US" noProof="0" smtClean="0"/>
+              <a:t>OASYS-Photon transport | HERCULES2023</a:t>
             </a:r>
+            <a:endParaRPr lang="en-US" noProof="0"/>
           </a:p>
         </p:txBody>
       </p:sp>
@@ -17488,9 +17512,10 @@
           <a:lstStyle/>
           <a:p>
             <a:r>
-              <a:rPr lang="en-US" noProof="0"/>
-              <a:t>OASYS-Photon transport | HERCULES2022</a:t>
+              <a:rPr lang="en-US" noProof="0" smtClean="0"/>
+              <a:t>OASYS-Photon transport | HERCULES2023</a:t>
             </a:r>
+            <a:endParaRPr lang="en-US" noProof="0"/>
           </a:p>
         </p:txBody>
       </p:sp>
@@ -17823,9 +17848,10 @@
           <a:lstStyle/>
           <a:p>
             <a:r>
-              <a:rPr lang="en-US" noProof="0"/>
-              <a:t>OASYS-Photon transport | HERCULES2022</a:t>
+              <a:rPr lang="en-US" noProof="0" smtClean="0"/>
+              <a:t>OASYS-Photon transport | HERCULES2023</a:t>
             </a:r>
+            <a:endParaRPr lang="en-US" noProof="0"/>
           </a:p>
         </p:txBody>
       </p:sp>
@@ -18712,9 +18738,10 @@
           <a:lstStyle/>
           <a:p>
             <a:r>
-              <a:rPr lang="en-US" noProof="0"/>
-              <a:t>OASYS-Photon transport | HERCULES2022</a:t>
+              <a:rPr lang="en-US" noProof="0" smtClean="0"/>
+              <a:t>OASYS-Photon transport | HERCULES2023</a:t>
             </a:r>
+            <a:endParaRPr lang="en-US" noProof="0"/>
           </a:p>
         </p:txBody>
       </p:sp>
